--- a/sicksheet.com/asset/others/sicksheet venn diagram.pptx
+++ b/sicksheet.com/asset/others/sicksheet venn diagram.pptx
@@ -5,15 +5,19 @@
     <p:sldMasterId id="2147483648" r:id="rId1"/>
   </p:sldMasterIdLst>
   <p:sldIdLst>
-    <p:sldId id="261" r:id="rId2"/>
-    <p:sldId id="264" r:id="rId3"/>
-    <p:sldId id="265" r:id="rId4"/>
-    <p:sldId id="266" r:id="rId5"/>
+    <p:sldId id="257" r:id="rId2"/>
+    <p:sldId id="263" r:id="rId3"/>
+    <p:sldId id="262" r:id="rId4"/>
+    <p:sldId id="258" r:id="rId5"/>
+    <p:sldId id="261" r:id="rId6"/>
+    <p:sldId id="264" r:id="rId7"/>
+    <p:sldId id="265" r:id="rId8"/>
+    <p:sldId id="266" r:id="rId9"/>
   </p:sldIdLst>
   <p:sldSz cx="12192000" cy="6858000"/>
   <p:notesSz cx="6858000" cy="9144000"/>
   <p:custDataLst>
-    <p:tags r:id="rId6"/>
+    <p:tags r:id="rId10"/>
   </p:custDataLst>
   <p:defaultTextStyle>
     <a:defPPr>
@@ -113,7 +117,7 @@
   <p:extLst>
     <p:ext uri="{EFAFB233-063F-42B5-8137-9DF3F51BA10A}">
       <p15:sldGuideLst xmlns:p15="http://schemas.microsoft.com/office/powerpoint/2012/main">
-        <p15:guide id="1" orient="horz" pos="2183" userDrawn="1">
+        <p15:guide id="1" orient="horz" pos="2160" userDrawn="1">
           <p15:clr>
             <a:srgbClr val="A4A3A4"/>
           </p15:clr>
@@ -127,6 +131,14 @@
     </p:ext>
   </p:extLst>
 </p:presentation>
+</file>
+
+<file path=ppt/revisionInfo.xml><?xml version="1.0" encoding="utf-8"?>
+<p1510:revInfo xmlns:a="http://schemas.openxmlformats.org/drawingml/2006/main" xmlns:r="http://schemas.openxmlformats.org/officeDocument/2006/relationships" xmlns:p1510="http://schemas.microsoft.com/office/powerpoint/2015/10/main">
+  <p1510:revLst>
+    <p1510:client id="{C18147A9-8A5E-4A63-A0E9-A539C96052F5}" v="289" dt="2023-02-23T08:56:36.701"/>
+  </p1510:revLst>
+</p1510:revInfo>
 </file>
 
 <file path=ppt/slideLayouts/slideLayout1.xml><?xml version="1.0" encoding="utf-8"?>
@@ -276,7 +288,7 @@
           <a:p>
             <a:fld id="{2B7D5C62-F73D-49CC-86F2-4D5D44D5BEA9}" type="datetimeFigureOut">
               <a:rPr lang="zh-CN" altLang="en-US" smtClean="0"/>
-              <a:t>2023/2/27</a:t>
+              <a:t>2023/2/23</a:t>
             </a:fld>
             <a:endParaRPr lang="zh-CN" altLang="en-US"/>
           </a:p>
@@ -474,7 +486,7 @@
           <a:p>
             <a:fld id="{2B7D5C62-F73D-49CC-86F2-4D5D44D5BEA9}" type="datetimeFigureOut">
               <a:rPr lang="zh-CN" altLang="en-US" smtClean="0"/>
-              <a:t>2023/2/27</a:t>
+              <a:t>2023/2/23</a:t>
             </a:fld>
             <a:endParaRPr lang="zh-CN" altLang="en-US"/>
           </a:p>
@@ -682,7 +694,7 @@
           <a:p>
             <a:fld id="{2B7D5C62-F73D-49CC-86F2-4D5D44D5BEA9}" type="datetimeFigureOut">
               <a:rPr lang="zh-CN" altLang="en-US" smtClean="0"/>
-              <a:t>2023/2/27</a:t>
+              <a:t>2023/2/23</a:t>
             </a:fld>
             <a:endParaRPr lang="zh-CN" altLang="en-US"/>
           </a:p>
@@ -880,7 +892,7 @@
           <a:p>
             <a:fld id="{2B7D5C62-F73D-49CC-86F2-4D5D44D5BEA9}" type="datetimeFigureOut">
               <a:rPr lang="zh-CN" altLang="en-US" smtClean="0"/>
-              <a:t>2023/2/27</a:t>
+              <a:t>2023/2/23</a:t>
             </a:fld>
             <a:endParaRPr lang="zh-CN" altLang="en-US"/>
           </a:p>
@@ -1155,7 +1167,7 @@
           <a:p>
             <a:fld id="{2B7D5C62-F73D-49CC-86F2-4D5D44D5BEA9}" type="datetimeFigureOut">
               <a:rPr lang="zh-CN" altLang="en-US" smtClean="0"/>
-              <a:t>2023/2/27</a:t>
+              <a:t>2023/2/23</a:t>
             </a:fld>
             <a:endParaRPr lang="zh-CN" altLang="en-US"/>
           </a:p>
@@ -1420,7 +1432,7 @@
           <a:p>
             <a:fld id="{2B7D5C62-F73D-49CC-86F2-4D5D44D5BEA9}" type="datetimeFigureOut">
               <a:rPr lang="zh-CN" altLang="en-US" smtClean="0"/>
-              <a:t>2023/2/27</a:t>
+              <a:t>2023/2/23</a:t>
             </a:fld>
             <a:endParaRPr lang="zh-CN" altLang="en-US"/>
           </a:p>
@@ -1832,7 +1844,7 @@
           <a:p>
             <a:fld id="{2B7D5C62-F73D-49CC-86F2-4D5D44D5BEA9}" type="datetimeFigureOut">
               <a:rPr lang="zh-CN" altLang="en-US" smtClean="0"/>
-              <a:t>2023/2/27</a:t>
+              <a:t>2023/2/23</a:t>
             </a:fld>
             <a:endParaRPr lang="zh-CN" altLang="en-US"/>
           </a:p>
@@ -1973,7 +1985,7 @@
           <a:p>
             <a:fld id="{2B7D5C62-F73D-49CC-86F2-4D5D44D5BEA9}" type="datetimeFigureOut">
               <a:rPr lang="zh-CN" altLang="en-US" smtClean="0"/>
-              <a:t>2023/2/27</a:t>
+              <a:t>2023/2/23</a:t>
             </a:fld>
             <a:endParaRPr lang="zh-CN" altLang="en-US"/>
           </a:p>
@@ -2086,7 +2098,7 @@
           <a:p>
             <a:fld id="{2B7D5C62-F73D-49CC-86F2-4D5D44D5BEA9}" type="datetimeFigureOut">
               <a:rPr lang="zh-CN" altLang="en-US" smtClean="0"/>
-              <a:t>2023/2/27</a:t>
+              <a:t>2023/2/23</a:t>
             </a:fld>
             <a:endParaRPr lang="zh-CN" altLang="en-US"/>
           </a:p>
@@ -2397,7 +2409,7 @@
           <a:p>
             <a:fld id="{2B7D5C62-F73D-49CC-86F2-4D5D44D5BEA9}" type="datetimeFigureOut">
               <a:rPr lang="zh-CN" altLang="en-US" smtClean="0"/>
-              <a:t>2023/2/27</a:t>
+              <a:t>2023/2/23</a:t>
             </a:fld>
             <a:endParaRPr lang="zh-CN" altLang="en-US"/>
           </a:p>
@@ -2685,7 +2697,7 @@
           <a:p>
             <a:fld id="{2B7D5C62-F73D-49CC-86F2-4D5D44D5BEA9}" type="datetimeFigureOut">
               <a:rPr lang="zh-CN" altLang="en-US" smtClean="0"/>
-              <a:t>2023/2/27</a:t>
+              <a:t>2023/2/23</a:t>
             </a:fld>
             <a:endParaRPr lang="zh-CN" altLang="en-US"/>
           </a:p>
@@ -2811,7 +2823,7 @@
           <a:graphicData uri="http://schemas.openxmlformats.org/presentationml/2006/ole">
             <mc:AlternateContent xmlns:mc="http://schemas.openxmlformats.org/markup-compatibility/2006">
               <mc:Choice xmlns:v="urn:schemas-microsoft-com:vml" Requires="v">
-                <p:oleObj spid="_x0000_s1032" name="think-cell 幻灯片" r:id="rId15" imgW="357" imgH="356" progId="TCLayout.ActiveDocument.1">
+                <p:oleObj spid="_x0000_s1026" name="think-cell 幻灯片" r:id="rId15" imgW="357" imgH="356" progId="TCLayout.ActiveDocument.1">
                   <p:embed/>
                 </p:oleObj>
               </mc:Choice>
@@ -2820,7 +2832,13 @@
                   <p:embed/>
                   <p:pic>
                     <p:nvPicPr>
-                      <p:cNvPr id="0" name=""/>
+                      <p:cNvPr id="7" name="对象 6" hidden="1">
+                        <a:extLst>
+                          <a:ext uri="{FF2B5EF4-FFF2-40B4-BE49-F238E27FC236}">
+                            <a16:creationId xmlns:a16="http://schemas.microsoft.com/office/drawing/2014/main" id="{DACE6B0D-081C-4946-806B-CB571E7C052D}"/>
+                          </a:ext>
+                        </a:extLst>
+                      </p:cNvPr>
                       <p:cNvPicPr/>
                       <p:nvPr/>
                     </p:nvPicPr>
@@ -2992,7 +3010,7 @@
           <a:p>
             <a:fld id="{2B7D5C62-F73D-49CC-86F2-4D5D44D5BEA9}" type="datetimeFigureOut">
               <a:rPr lang="zh-CN" altLang="en-US" smtClean="0"/>
-              <a:t>2023/2/27</a:t>
+              <a:t>2023/2/23</a:t>
             </a:fld>
             <a:endParaRPr lang="zh-CN" altLang="en-US"/>
           </a:p>
@@ -3425,6 +3443,11 @@
             <p:custDataLst>
               <p:tags r:id="rId2"/>
             </p:custDataLst>
+            <p:extLst>
+              <p:ext uri="{D42A27DB-BD31-4B8C-83A1-F6EECF244321}">
+                <p14:modId xmlns:p14="http://schemas.microsoft.com/office/powerpoint/2010/main" val="3842339652"/>
+              </p:ext>
+            </p:extLst>
           </p:nvPr>
         </p:nvGraphicFramePr>
         <p:xfrm>
@@ -3435,7 +3458,1294 @@
           <a:graphicData uri="http://schemas.openxmlformats.org/presentationml/2006/ole">
             <mc:AlternateContent xmlns:mc="http://schemas.openxmlformats.org/markup-compatibility/2006">
               <mc:Choice xmlns:v="urn:schemas-microsoft-com:vml" Requires="v">
-                <p:oleObj spid="_x0000_s3080" name="think-cell 幻灯片" r:id="rId4" imgW="357" imgH="356" progId="TCLayout.ActiveDocument.1">
+                <p:oleObj spid="_x0000_s2050" name="think-cell 幻灯片" r:id="rId4" imgW="357" imgH="356" progId="TCLayout.ActiveDocument.1">
+                  <p:embed/>
+                </p:oleObj>
+              </mc:Choice>
+              <mc:Fallback>
+                <p:oleObj name="think-cell 幻灯片" r:id="rId4" imgW="357" imgH="356" progId="TCLayout.ActiveDocument.1">
+                  <p:embed/>
+                  <p:pic>
+                    <p:nvPicPr>
+                      <p:cNvPr id="4" name="对象 3" hidden="1">
+                        <a:extLst>
+                          <a:ext uri="{FF2B5EF4-FFF2-40B4-BE49-F238E27FC236}">
+                            <a16:creationId xmlns:a16="http://schemas.microsoft.com/office/drawing/2014/main" id="{178F6391-4F06-4DAC-A312-6A7116866AB0}"/>
+                          </a:ext>
+                        </a:extLst>
+                      </p:cNvPr>
+                      <p:cNvPicPr/>
+                      <p:nvPr/>
+                    </p:nvPicPr>
+                    <p:blipFill>
+                      <a:blip r:embed="rId5"/>
+                      <a:stretch>
+                        <a:fillRect/>
+                      </a:stretch>
+                    </p:blipFill>
+                    <p:spPr>
+                      <a:xfrm>
+                        <a:off x="1588" y="1588"/>
+                        <a:ext cx="1588" cy="1588"/>
+                      </a:xfrm>
+                      <a:prstGeom prst="rect">
+                        <a:avLst/>
+                      </a:prstGeom>
+                    </p:spPr>
+                  </p:pic>
+                </p:oleObj>
+              </mc:Fallback>
+            </mc:AlternateContent>
+          </a:graphicData>
+        </a:graphic>
+      </p:graphicFrame>
+      <p:sp>
+        <p:nvSpPr>
+          <p:cNvPr id="5" name="椭圆 4">
+            <a:extLst>
+              <a:ext uri="{FF2B5EF4-FFF2-40B4-BE49-F238E27FC236}">
+                <a16:creationId xmlns:a16="http://schemas.microsoft.com/office/drawing/2014/main" id="{7324BB57-2D99-4824-9FC8-7DC5BE0A282B}"/>
+              </a:ext>
+            </a:extLst>
+          </p:cNvPr>
+          <p:cNvSpPr/>
+          <p:nvPr/>
+        </p:nvSpPr>
+        <p:spPr>
+          <a:xfrm>
+            <a:off x="2837636" y="1502786"/>
+            <a:ext cx="3852428" cy="3852428"/>
+          </a:xfrm>
+          <a:prstGeom prst="ellipse">
+            <a:avLst/>
+          </a:prstGeom>
+          <a:solidFill>
+            <a:srgbClr val="00B0F0"/>
+          </a:solidFill>
+          <a:ln w="57150">
+            <a:solidFill>
+              <a:schemeClr val="tx1"/>
+            </a:solidFill>
+          </a:ln>
+        </p:spPr>
+        <p:style>
+          <a:lnRef idx="2">
+            <a:schemeClr val="accent1">
+              <a:shade val="50000"/>
+            </a:schemeClr>
+          </a:lnRef>
+          <a:fillRef idx="1">
+            <a:schemeClr val="accent1"/>
+          </a:fillRef>
+          <a:effectRef idx="0">
+            <a:schemeClr val="accent1"/>
+          </a:effectRef>
+          <a:fontRef idx="minor">
+            <a:schemeClr val="lt1"/>
+          </a:fontRef>
+        </p:style>
+        <p:txBody>
+          <a:bodyPr rtlCol="0" anchor="ctr"/>
+          <a:lstStyle/>
+          <a:p>
+            <a:pPr algn="ctr"/>
+            <a:r>
+              <a:rPr lang="en-US" altLang="zh-CN" sz="3600" dirty="0"/>
+              <a:t>Left</a:t>
+            </a:r>
+          </a:p>
+          <a:p>
+            <a:pPr algn="ctr"/>
+            <a:r>
+              <a:rPr lang="en-US" altLang="zh-CN" sz="3600" dirty="0"/>
+              <a:t>Table</a:t>
+            </a:r>
+            <a:endParaRPr lang="zh-CN" altLang="en-US" sz="3600" dirty="0"/>
+          </a:p>
+        </p:txBody>
+      </p:sp>
+      <p:sp>
+        <p:nvSpPr>
+          <p:cNvPr id="6" name="椭圆 5">
+            <a:extLst>
+              <a:ext uri="{FF2B5EF4-FFF2-40B4-BE49-F238E27FC236}">
+                <a16:creationId xmlns:a16="http://schemas.microsoft.com/office/drawing/2014/main" id="{38F628C5-96C0-4377-951B-378A860245C6}"/>
+              </a:ext>
+            </a:extLst>
+          </p:cNvPr>
+          <p:cNvSpPr/>
+          <p:nvPr/>
+        </p:nvSpPr>
+        <p:spPr>
+          <a:xfrm>
+            <a:off x="5483932" y="1502786"/>
+            <a:ext cx="3852428" cy="3852428"/>
+          </a:xfrm>
+          <a:prstGeom prst="ellipse">
+            <a:avLst/>
+          </a:prstGeom>
+          <a:solidFill>
+            <a:srgbClr val="00B0F0"/>
+          </a:solidFill>
+          <a:ln w="57150">
+            <a:solidFill>
+              <a:schemeClr val="tx1"/>
+            </a:solidFill>
+          </a:ln>
+        </p:spPr>
+        <p:style>
+          <a:lnRef idx="2">
+            <a:schemeClr val="accent1">
+              <a:shade val="50000"/>
+            </a:schemeClr>
+          </a:lnRef>
+          <a:fillRef idx="1">
+            <a:schemeClr val="accent1"/>
+          </a:fillRef>
+          <a:effectRef idx="0">
+            <a:schemeClr val="accent1"/>
+          </a:effectRef>
+          <a:fontRef idx="minor">
+            <a:schemeClr val="lt1"/>
+          </a:fontRef>
+        </p:style>
+        <p:txBody>
+          <a:bodyPr rtlCol="0" anchor="ctr"/>
+          <a:lstStyle/>
+          <a:p>
+            <a:pPr algn="ctr"/>
+            <a:r>
+              <a:rPr lang="en-US" altLang="zh-CN" sz="3600" dirty="0"/>
+              <a:t>Right</a:t>
+            </a:r>
+          </a:p>
+          <a:p>
+            <a:pPr algn="ctr"/>
+            <a:r>
+              <a:rPr lang="en-US" altLang="zh-CN" sz="3600" dirty="0"/>
+              <a:t>Table</a:t>
+            </a:r>
+            <a:endParaRPr lang="zh-CN" altLang="en-US" sz="3600" dirty="0"/>
+          </a:p>
+        </p:txBody>
+      </p:sp>
+    </p:spTree>
+    <p:extLst>
+      <p:ext uri="{BB962C8B-B14F-4D97-AF65-F5344CB8AC3E}">
+        <p14:creationId xmlns:p14="http://schemas.microsoft.com/office/powerpoint/2010/main" val="1598606721"/>
+      </p:ext>
+    </p:extLst>
+  </p:cSld>
+  <p:clrMapOvr>
+    <a:masterClrMapping/>
+  </p:clrMapOvr>
+</p:sld>
+</file>
+
+<file path=ppt/slides/slide2.xml><?xml version="1.0" encoding="utf-8"?>
+<p:sld xmlns:a="http://schemas.openxmlformats.org/drawingml/2006/main" xmlns:r="http://schemas.openxmlformats.org/officeDocument/2006/relationships" xmlns:p="http://schemas.openxmlformats.org/presentationml/2006/main">
+  <p:cSld>
+    <p:spTree>
+      <p:nvGrpSpPr>
+        <p:cNvPr id="1" name=""/>
+        <p:cNvGrpSpPr/>
+        <p:nvPr/>
+      </p:nvGrpSpPr>
+      <p:grpSpPr>
+        <a:xfrm>
+          <a:off x="0" y="0"/>
+          <a:ext cx="0" cy="0"/>
+          <a:chOff x="0" y="0"/>
+          <a:chExt cx="0" cy="0"/>
+        </a:xfrm>
+      </p:grpSpPr>
+      <p:graphicFrame>
+        <p:nvGraphicFramePr>
+          <p:cNvPr id="4" name="对象 3" hidden="1">
+            <a:extLst>
+              <a:ext uri="{FF2B5EF4-FFF2-40B4-BE49-F238E27FC236}">
+                <a16:creationId xmlns:a16="http://schemas.microsoft.com/office/drawing/2014/main" id="{178F6391-4F06-4DAC-A312-6A7116866AB0}"/>
+              </a:ext>
+            </a:extLst>
+          </p:cNvPr>
+          <p:cNvGraphicFramePr>
+            <a:graphicFrameLocks noChangeAspect="1"/>
+          </p:cNvGraphicFramePr>
+          <p:nvPr>
+            <p:custDataLst>
+              <p:tags r:id="rId2"/>
+            </p:custDataLst>
+          </p:nvPr>
+        </p:nvGraphicFramePr>
+        <p:xfrm>
+          <a:off x="1588" y="1588"/>
+          <a:ext cx="1588" cy="1588"/>
+        </p:xfrm>
+        <a:graphic>
+          <a:graphicData uri="http://schemas.openxmlformats.org/presentationml/2006/ole">
+            <mc:AlternateContent xmlns:mc="http://schemas.openxmlformats.org/markup-compatibility/2006">
+              <mc:Choice xmlns:v="urn:schemas-microsoft-com:vml" Requires="v">
+                <p:oleObj spid="_x0000_s3074" name="think-cell 幻灯片" r:id="rId4" imgW="357" imgH="356" progId="TCLayout.ActiveDocument.1">
+                  <p:embed/>
+                </p:oleObj>
+              </mc:Choice>
+              <mc:Fallback>
+                <p:oleObj name="think-cell 幻灯片" r:id="rId4" imgW="357" imgH="356" progId="TCLayout.ActiveDocument.1">
+                  <p:embed/>
+                  <p:pic>
+                    <p:nvPicPr>
+                      <p:cNvPr id="4" name="对象 3" hidden="1">
+                        <a:extLst>
+                          <a:ext uri="{FF2B5EF4-FFF2-40B4-BE49-F238E27FC236}">
+                            <a16:creationId xmlns:a16="http://schemas.microsoft.com/office/drawing/2014/main" id="{178F6391-4F06-4DAC-A312-6A7116866AB0}"/>
+                          </a:ext>
+                        </a:extLst>
+                      </p:cNvPr>
+                      <p:cNvPicPr/>
+                      <p:nvPr/>
+                    </p:nvPicPr>
+                    <p:blipFill>
+                      <a:blip r:embed="rId5"/>
+                      <a:stretch>
+                        <a:fillRect/>
+                      </a:stretch>
+                    </p:blipFill>
+                    <p:spPr>
+                      <a:xfrm>
+                        <a:off x="1588" y="1588"/>
+                        <a:ext cx="1588" cy="1588"/>
+                      </a:xfrm>
+                      <a:prstGeom prst="rect">
+                        <a:avLst/>
+                      </a:prstGeom>
+                    </p:spPr>
+                  </p:pic>
+                </p:oleObj>
+              </mc:Fallback>
+            </mc:AlternateContent>
+          </a:graphicData>
+        </a:graphic>
+      </p:graphicFrame>
+      <p:sp>
+        <p:nvSpPr>
+          <p:cNvPr id="7" name="任意多边形: 形状 6">
+            <a:extLst>
+              <a:ext uri="{FF2B5EF4-FFF2-40B4-BE49-F238E27FC236}">
+                <a16:creationId xmlns:a16="http://schemas.microsoft.com/office/drawing/2014/main" id="{4D8AFE59-0661-4155-A920-9A0103462CA7}"/>
+              </a:ext>
+            </a:extLst>
+          </p:cNvPr>
+          <p:cNvSpPr/>
+          <p:nvPr/>
+        </p:nvSpPr>
+        <p:spPr>
+          <a:xfrm>
+            <a:off x="5483932" y="2031614"/>
+            <a:ext cx="1206132" cy="2794772"/>
+          </a:xfrm>
+          <a:custGeom>
+            <a:avLst/>
+            <a:gdLst>
+              <a:gd name="connsiteX0" fmla="*/ 603066 w 1206132"/>
+              <a:gd name="connsiteY0" fmla="*/ 0 h 2794772"/>
+              <a:gd name="connsiteX1" fmla="*/ 641957 w 1206132"/>
+              <a:gd name="connsiteY1" fmla="*/ 35347 h 2794772"/>
+              <a:gd name="connsiteX2" fmla="*/ 1206132 w 1206132"/>
+              <a:gd name="connsiteY2" fmla="*/ 1397386 h 2794772"/>
+              <a:gd name="connsiteX3" fmla="*/ 641957 w 1206132"/>
+              <a:gd name="connsiteY3" fmla="*/ 2759425 h 2794772"/>
+              <a:gd name="connsiteX4" fmla="*/ 603066 w 1206132"/>
+              <a:gd name="connsiteY4" fmla="*/ 2794772 h 2794772"/>
+              <a:gd name="connsiteX5" fmla="*/ 564175 w 1206132"/>
+              <a:gd name="connsiteY5" fmla="*/ 2759425 h 2794772"/>
+              <a:gd name="connsiteX6" fmla="*/ 0 w 1206132"/>
+              <a:gd name="connsiteY6" fmla="*/ 1397386 h 2794772"/>
+              <a:gd name="connsiteX7" fmla="*/ 564175 w 1206132"/>
+              <a:gd name="connsiteY7" fmla="*/ 35347 h 2794772"/>
+            </a:gdLst>
+            <a:ahLst/>
+            <a:cxnLst>
+              <a:cxn ang="0">
+                <a:pos x="connsiteX0" y="connsiteY0"/>
+              </a:cxn>
+              <a:cxn ang="0">
+                <a:pos x="connsiteX1" y="connsiteY1"/>
+              </a:cxn>
+              <a:cxn ang="0">
+                <a:pos x="connsiteX2" y="connsiteY2"/>
+              </a:cxn>
+              <a:cxn ang="0">
+                <a:pos x="connsiteX3" y="connsiteY3"/>
+              </a:cxn>
+              <a:cxn ang="0">
+                <a:pos x="connsiteX4" y="connsiteY4"/>
+              </a:cxn>
+              <a:cxn ang="0">
+                <a:pos x="connsiteX5" y="connsiteY5"/>
+              </a:cxn>
+              <a:cxn ang="0">
+                <a:pos x="connsiteX6" y="connsiteY6"/>
+              </a:cxn>
+              <a:cxn ang="0">
+                <a:pos x="connsiteX7" y="connsiteY7"/>
+              </a:cxn>
+            </a:cxnLst>
+            <a:rect l="l" t="t" r="r" b="b"/>
+            <a:pathLst>
+              <a:path w="1206132" h="2794772">
+                <a:moveTo>
+                  <a:pt x="603066" y="0"/>
+                </a:moveTo>
+                <a:lnTo>
+                  <a:pt x="641957" y="35347"/>
+                </a:lnTo>
+                <a:cubicBezTo>
+                  <a:pt x="990533" y="383923"/>
+                  <a:pt x="1206132" y="865477"/>
+                  <a:pt x="1206132" y="1397386"/>
+                </a:cubicBezTo>
+                <a:cubicBezTo>
+                  <a:pt x="1206132" y="1929296"/>
+                  <a:pt x="990533" y="2410849"/>
+                  <a:pt x="641957" y="2759425"/>
+                </a:cubicBezTo>
+                <a:lnTo>
+                  <a:pt x="603066" y="2794772"/>
+                </a:lnTo>
+                <a:lnTo>
+                  <a:pt x="564175" y="2759425"/>
+                </a:lnTo>
+                <a:cubicBezTo>
+                  <a:pt x="215599" y="2410849"/>
+                  <a:pt x="0" y="1929296"/>
+                  <a:pt x="0" y="1397386"/>
+                </a:cubicBezTo>
+                <a:cubicBezTo>
+                  <a:pt x="0" y="865477"/>
+                  <a:pt x="215599" y="383923"/>
+                  <a:pt x="564175" y="35347"/>
+                </a:cubicBezTo>
+                <a:close/>
+              </a:path>
+            </a:pathLst>
+          </a:custGeom>
+          <a:solidFill>
+            <a:srgbClr val="00B0F0"/>
+          </a:solidFill>
+          <a:ln w="57150">
+            <a:solidFill>
+              <a:schemeClr val="tx1"/>
+            </a:solidFill>
+          </a:ln>
+        </p:spPr>
+        <p:style>
+          <a:lnRef idx="2">
+            <a:schemeClr val="accent1">
+              <a:shade val="50000"/>
+            </a:schemeClr>
+          </a:lnRef>
+          <a:fillRef idx="1">
+            <a:schemeClr val="accent1"/>
+          </a:fillRef>
+          <a:effectRef idx="0">
+            <a:schemeClr val="accent1"/>
+          </a:effectRef>
+          <a:fontRef idx="minor">
+            <a:schemeClr val="lt1"/>
+          </a:fontRef>
+        </p:style>
+        <p:txBody>
+          <a:bodyPr wrap="square" rtlCol="0" anchor="ctr">
+            <a:noAutofit/>
+          </a:bodyPr>
+          <a:lstStyle/>
+          <a:p>
+            <a:pPr algn="ctr"/>
+            <a:endParaRPr lang="zh-CN" altLang="en-US" sz="3600" dirty="0"/>
+          </a:p>
+        </p:txBody>
+      </p:sp>
+    </p:spTree>
+    <p:extLst>
+      <p:ext uri="{BB962C8B-B14F-4D97-AF65-F5344CB8AC3E}">
+        <p14:creationId xmlns:p14="http://schemas.microsoft.com/office/powerpoint/2010/main" val="2807707804"/>
+      </p:ext>
+    </p:extLst>
+  </p:cSld>
+  <p:clrMapOvr>
+    <a:masterClrMapping/>
+  </p:clrMapOvr>
+</p:sld>
+</file>
+
+<file path=ppt/slides/slide3.xml><?xml version="1.0" encoding="utf-8"?>
+<p:sld xmlns:a="http://schemas.openxmlformats.org/drawingml/2006/main" xmlns:r="http://schemas.openxmlformats.org/officeDocument/2006/relationships" xmlns:p="http://schemas.openxmlformats.org/presentationml/2006/main">
+  <p:cSld>
+    <p:spTree>
+      <p:nvGrpSpPr>
+        <p:cNvPr id="1" name=""/>
+        <p:cNvGrpSpPr/>
+        <p:nvPr/>
+      </p:nvGrpSpPr>
+      <p:grpSpPr>
+        <a:xfrm>
+          <a:off x="0" y="0"/>
+          <a:ext cx="0" cy="0"/>
+          <a:chOff x="0" y="0"/>
+          <a:chExt cx="0" cy="0"/>
+        </a:xfrm>
+      </p:grpSpPr>
+      <p:graphicFrame>
+        <p:nvGraphicFramePr>
+          <p:cNvPr id="4" name="对象 3" hidden="1">
+            <a:extLst>
+              <a:ext uri="{FF2B5EF4-FFF2-40B4-BE49-F238E27FC236}">
+                <a16:creationId xmlns:a16="http://schemas.microsoft.com/office/drawing/2014/main" id="{178F6391-4F06-4DAC-A312-6A7116866AB0}"/>
+              </a:ext>
+            </a:extLst>
+          </p:cNvPr>
+          <p:cNvGraphicFramePr>
+            <a:graphicFrameLocks noChangeAspect="1"/>
+          </p:cNvGraphicFramePr>
+          <p:nvPr>
+            <p:custDataLst>
+              <p:tags r:id="rId2"/>
+            </p:custDataLst>
+          </p:nvPr>
+        </p:nvGraphicFramePr>
+        <p:xfrm>
+          <a:off x="1588" y="1588"/>
+          <a:ext cx="1588" cy="1588"/>
+        </p:xfrm>
+        <a:graphic>
+          <a:graphicData uri="http://schemas.openxmlformats.org/presentationml/2006/ole">
+            <mc:AlternateContent xmlns:mc="http://schemas.openxmlformats.org/markup-compatibility/2006">
+              <mc:Choice xmlns:v="urn:schemas-microsoft-com:vml" Requires="v">
+                <p:oleObj spid="_x0000_s4098" name="think-cell 幻灯片" r:id="rId4" imgW="357" imgH="356" progId="TCLayout.ActiveDocument.1">
+                  <p:embed/>
+                </p:oleObj>
+              </mc:Choice>
+              <mc:Fallback>
+                <p:oleObj name="think-cell 幻灯片" r:id="rId4" imgW="357" imgH="356" progId="TCLayout.ActiveDocument.1">
+                  <p:embed/>
+                  <p:pic>
+                    <p:nvPicPr>
+                      <p:cNvPr id="4" name="对象 3" hidden="1">
+                        <a:extLst>
+                          <a:ext uri="{FF2B5EF4-FFF2-40B4-BE49-F238E27FC236}">
+                            <a16:creationId xmlns:a16="http://schemas.microsoft.com/office/drawing/2014/main" id="{178F6391-4F06-4DAC-A312-6A7116866AB0}"/>
+                          </a:ext>
+                        </a:extLst>
+                      </p:cNvPr>
+                      <p:cNvPicPr/>
+                      <p:nvPr/>
+                    </p:nvPicPr>
+                    <p:blipFill>
+                      <a:blip r:embed="rId5"/>
+                      <a:stretch>
+                        <a:fillRect/>
+                      </a:stretch>
+                    </p:blipFill>
+                    <p:spPr>
+                      <a:xfrm>
+                        <a:off x="1588" y="1588"/>
+                        <a:ext cx="1588" cy="1588"/>
+                      </a:xfrm>
+                      <a:prstGeom prst="rect">
+                        <a:avLst/>
+                      </a:prstGeom>
+                    </p:spPr>
+                  </p:pic>
+                </p:oleObj>
+              </mc:Fallback>
+            </mc:AlternateContent>
+          </a:graphicData>
+        </a:graphic>
+      </p:graphicFrame>
+      <p:sp>
+        <p:nvSpPr>
+          <p:cNvPr id="7" name="任意多边形: 形状 6">
+            <a:extLst>
+              <a:ext uri="{FF2B5EF4-FFF2-40B4-BE49-F238E27FC236}">
+                <a16:creationId xmlns:a16="http://schemas.microsoft.com/office/drawing/2014/main" id="{16314D7E-1BB5-4DB1-B550-A0C21D6F5AFB}"/>
+              </a:ext>
+            </a:extLst>
+          </p:cNvPr>
+          <p:cNvSpPr/>
+          <p:nvPr/>
+        </p:nvSpPr>
+        <p:spPr>
+          <a:xfrm>
+            <a:off x="2837636" y="1502786"/>
+            <a:ext cx="6498724" cy="3852428"/>
+          </a:xfrm>
+          <a:custGeom>
+            <a:avLst/>
+            <a:gdLst>
+              <a:gd name="connsiteX0" fmla="*/ 4572510 w 6498724"/>
+              <a:gd name="connsiteY0" fmla="*/ 0 h 3852428"/>
+              <a:gd name="connsiteX1" fmla="*/ 6498724 w 6498724"/>
+              <a:gd name="connsiteY1" fmla="*/ 1926214 h 3852428"/>
+              <a:gd name="connsiteX2" fmla="*/ 4572510 w 6498724"/>
+              <a:gd name="connsiteY2" fmla="*/ 3852428 h 3852428"/>
+              <a:gd name="connsiteX3" fmla="*/ 3347259 w 6498724"/>
+              <a:gd name="connsiteY3" fmla="*/ 3412575 h 3852428"/>
+              <a:gd name="connsiteX4" fmla="*/ 3249362 w 6498724"/>
+              <a:gd name="connsiteY4" fmla="*/ 3323600 h 3852428"/>
+              <a:gd name="connsiteX5" fmla="*/ 3288253 w 6498724"/>
+              <a:gd name="connsiteY5" fmla="*/ 3288253 h 3852428"/>
+              <a:gd name="connsiteX6" fmla="*/ 3852428 w 6498724"/>
+              <a:gd name="connsiteY6" fmla="*/ 1926214 h 3852428"/>
+              <a:gd name="connsiteX7" fmla="*/ 3288253 w 6498724"/>
+              <a:gd name="connsiteY7" fmla="*/ 564175 h 3852428"/>
+              <a:gd name="connsiteX8" fmla="*/ 3249362 w 6498724"/>
+              <a:gd name="connsiteY8" fmla="*/ 528828 h 3852428"/>
+              <a:gd name="connsiteX9" fmla="*/ 3347259 w 6498724"/>
+              <a:gd name="connsiteY9" fmla="*/ 439854 h 3852428"/>
+              <a:gd name="connsiteX10" fmla="*/ 4572510 w 6498724"/>
+              <a:gd name="connsiteY10" fmla="*/ 0 h 3852428"/>
+              <a:gd name="connsiteX11" fmla="*/ 1926214 w 6498724"/>
+              <a:gd name="connsiteY11" fmla="*/ 0 h 3852428"/>
+              <a:gd name="connsiteX12" fmla="*/ 3151465 w 6498724"/>
+              <a:gd name="connsiteY12" fmla="*/ 439854 h 3852428"/>
+              <a:gd name="connsiteX13" fmla="*/ 3249362 w 6498724"/>
+              <a:gd name="connsiteY13" fmla="*/ 528828 h 3852428"/>
+              <a:gd name="connsiteX14" fmla="*/ 3210471 w 6498724"/>
+              <a:gd name="connsiteY14" fmla="*/ 564175 h 3852428"/>
+              <a:gd name="connsiteX15" fmla="*/ 2646296 w 6498724"/>
+              <a:gd name="connsiteY15" fmla="*/ 1926214 h 3852428"/>
+              <a:gd name="connsiteX16" fmla="*/ 3210471 w 6498724"/>
+              <a:gd name="connsiteY16" fmla="*/ 3288253 h 3852428"/>
+              <a:gd name="connsiteX17" fmla="*/ 3249362 w 6498724"/>
+              <a:gd name="connsiteY17" fmla="*/ 3323600 h 3852428"/>
+              <a:gd name="connsiteX18" fmla="*/ 3151465 w 6498724"/>
+              <a:gd name="connsiteY18" fmla="*/ 3412575 h 3852428"/>
+              <a:gd name="connsiteX19" fmla="*/ 1926214 w 6498724"/>
+              <a:gd name="connsiteY19" fmla="*/ 3852428 h 3852428"/>
+              <a:gd name="connsiteX20" fmla="*/ 0 w 6498724"/>
+              <a:gd name="connsiteY20" fmla="*/ 1926214 h 3852428"/>
+              <a:gd name="connsiteX21" fmla="*/ 1926214 w 6498724"/>
+              <a:gd name="connsiteY21" fmla="*/ 0 h 3852428"/>
+            </a:gdLst>
+            <a:ahLst/>
+            <a:cxnLst>
+              <a:cxn ang="0">
+                <a:pos x="connsiteX0" y="connsiteY0"/>
+              </a:cxn>
+              <a:cxn ang="0">
+                <a:pos x="connsiteX1" y="connsiteY1"/>
+              </a:cxn>
+              <a:cxn ang="0">
+                <a:pos x="connsiteX2" y="connsiteY2"/>
+              </a:cxn>
+              <a:cxn ang="0">
+                <a:pos x="connsiteX3" y="connsiteY3"/>
+              </a:cxn>
+              <a:cxn ang="0">
+                <a:pos x="connsiteX4" y="connsiteY4"/>
+              </a:cxn>
+              <a:cxn ang="0">
+                <a:pos x="connsiteX5" y="connsiteY5"/>
+              </a:cxn>
+              <a:cxn ang="0">
+                <a:pos x="connsiteX6" y="connsiteY6"/>
+              </a:cxn>
+              <a:cxn ang="0">
+                <a:pos x="connsiteX7" y="connsiteY7"/>
+              </a:cxn>
+              <a:cxn ang="0">
+                <a:pos x="connsiteX8" y="connsiteY8"/>
+              </a:cxn>
+              <a:cxn ang="0">
+                <a:pos x="connsiteX9" y="connsiteY9"/>
+              </a:cxn>
+              <a:cxn ang="0">
+                <a:pos x="connsiteX10" y="connsiteY10"/>
+              </a:cxn>
+              <a:cxn ang="0">
+                <a:pos x="connsiteX11" y="connsiteY11"/>
+              </a:cxn>
+              <a:cxn ang="0">
+                <a:pos x="connsiteX12" y="connsiteY12"/>
+              </a:cxn>
+              <a:cxn ang="0">
+                <a:pos x="connsiteX13" y="connsiteY13"/>
+              </a:cxn>
+              <a:cxn ang="0">
+                <a:pos x="connsiteX14" y="connsiteY14"/>
+              </a:cxn>
+              <a:cxn ang="0">
+                <a:pos x="connsiteX15" y="connsiteY15"/>
+              </a:cxn>
+              <a:cxn ang="0">
+                <a:pos x="connsiteX16" y="connsiteY16"/>
+              </a:cxn>
+              <a:cxn ang="0">
+                <a:pos x="connsiteX17" y="connsiteY17"/>
+              </a:cxn>
+              <a:cxn ang="0">
+                <a:pos x="connsiteX18" y="connsiteY18"/>
+              </a:cxn>
+              <a:cxn ang="0">
+                <a:pos x="connsiteX19" y="connsiteY19"/>
+              </a:cxn>
+              <a:cxn ang="0">
+                <a:pos x="connsiteX20" y="connsiteY20"/>
+              </a:cxn>
+              <a:cxn ang="0">
+                <a:pos x="connsiteX21" y="connsiteY21"/>
+              </a:cxn>
+            </a:cxnLst>
+            <a:rect l="l" t="t" r="r" b="b"/>
+            <a:pathLst>
+              <a:path w="6498724" h="3852428">
+                <a:moveTo>
+                  <a:pt x="4572510" y="0"/>
+                </a:moveTo>
+                <a:cubicBezTo>
+                  <a:pt x="5636329" y="0"/>
+                  <a:pt x="6498724" y="862395"/>
+                  <a:pt x="6498724" y="1926214"/>
+                </a:cubicBezTo>
+                <a:cubicBezTo>
+                  <a:pt x="6498724" y="2990033"/>
+                  <a:pt x="5636329" y="3852428"/>
+                  <a:pt x="4572510" y="3852428"/>
+                </a:cubicBezTo>
+                <a:cubicBezTo>
+                  <a:pt x="4107089" y="3852428"/>
+                  <a:pt x="3680222" y="3687360"/>
+                  <a:pt x="3347259" y="3412575"/>
+                </a:cubicBezTo>
+                <a:lnTo>
+                  <a:pt x="3249362" y="3323600"/>
+                </a:lnTo>
+                <a:lnTo>
+                  <a:pt x="3288253" y="3288253"/>
+                </a:lnTo>
+                <a:cubicBezTo>
+                  <a:pt x="3636829" y="2939677"/>
+                  <a:pt x="3852428" y="2458124"/>
+                  <a:pt x="3852428" y="1926214"/>
+                </a:cubicBezTo>
+                <a:cubicBezTo>
+                  <a:pt x="3852428" y="1394305"/>
+                  <a:pt x="3636829" y="912751"/>
+                  <a:pt x="3288253" y="564175"/>
+                </a:cubicBezTo>
+                <a:lnTo>
+                  <a:pt x="3249362" y="528828"/>
+                </a:lnTo>
+                <a:lnTo>
+                  <a:pt x="3347259" y="439854"/>
+                </a:lnTo>
+                <a:cubicBezTo>
+                  <a:pt x="3680222" y="165068"/>
+                  <a:pt x="4107089" y="0"/>
+                  <a:pt x="4572510" y="0"/>
+                </a:cubicBezTo>
+                <a:close/>
+                <a:moveTo>
+                  <a:pt x="1926214" y="0"/>
+                </a:moveTo>
+                <a:cubicBezTo>
+                  <a:pt x="2391635" y="0"/>
+                  <a:pt x="2818502" y="165068"/>
+                  <a:pt x="3151465" y="439854"/>
+                </a:cubicBezTo>
+                <a:lnTo>
+                  <a:pt x="3249362" y="528828"/>
+                </a:lnTo>
+                <a:lnTo>
+                  <a:pt x="3210471" y="564175"/>
+                </a:lnTo>
+                <a:cubicBezTo>
+                  <a:pt x="2861895" y="912751"/>
+                  <a:pt x="2646296" y="1394305"/>
+                  <a:pt x="2646296" y="1926214"/>
+                </a:cubicBezTo>
+                <a:cubicBezTo>
+                  <a:pt x="2646296" y="2458124"/>
+                  <a:pt x="2861895" y="2939677"/>
+                  <a:pt x="3210471" y="3288253"/>
+                </a:cubicBezTo>
+                <a:lnTo>
+                  <a:pt x="3249362" y="3323600"/>
+                </a:lnTo>
+                <a:lnTo>
+                  <a:pt x="3151465" y="3412575"/>
+                </a:lnTo>
+                <a:cubicBezTo>
+                  <a:pt x="2818502" y="3687360"/>
+                  <a:pt x="2391635" y="3852428"/>
+                  <a:pt x="1926214" y="3852428"/>
+                </a:cubicBezTo>
+                <a:cubicBezTo>
+                  <a:pt x="862395" y="3852428"/>
+                  <a:pt x="0" y="2990033"/>
+                  <a:pt x="0" y="1926214"/>
+                </a:cubicBezTo>
+                <a:cubicBezTo>
+                  <a:pt x="0" y="862395"/>
+                  <a:pt x="862395" y="0"/>
+                  <a:pt x="1926214" y="0"/>
+                </a:cubicBezTo>
+                <a:close/>
+              </a:path>
+            </a:pathLst>
+          </a:custGeom>
+          <a:noFill/>
+          <a:ln w="57150">
+            <a:solidFill>
+              <a:schemeClr val="tx1"/>
+            </a:solidFill>
+          </a:ln>
+        </p:spPr>
+        <p:style>
+          <a:lnRef idx="2">
+            <a:schemeClr val="accent1">
+              <a:shade val="50000"/>
+            </a:schemeClr>
+          </a:lnRef>
+          <a:fillRef idx="1">
+            <a:schemeClr val="accent1"/>
+          </a:fillRef>
+          <a:effectRef idx="0">
+            <a:schemeClr val="accent1"/>
+          </a:effectRef>
+          <a:fontRef idx="minor">
+            <a:schemeClr val="lt1"/>
+          </a:fontRef>
+        </p:style>
+        <p:txBody>
+          <a:bodyPr wrap="square" rtlCol="0" anchor="ctr">
+            <a:noAutofit/>
+          </a:bodyPr>
+          <a:lstStyle/>
+          <a:p>
+            <a:pPr algn="ctr"/>
+            <a:r>
+              <a:rPr lang="en-US" altLang="zh-CN" sz="3600" dirty="0"/>
+              <a:t>Right</a:t>
+            </a:r>
+          </a:p>
+          <a:p>
+            <a:pPr algn="ctr"/>
+            <a:r>
+              <a:rPr lang="en-US" altLang="zh-CN" sz="3600" dirty="0"/>
+              <a:t>Table</a:t>
+            </a:r>
+            <a:endParaRPr lang="zh-CN" altLang="en-US" sz="3600" dirty="0"/>
+          </a:p>
+        </p:txBody>
+      </p:sp>
+      <p:sp>
+        <p:nvSpPr>
+          <p:cNvPr id="5" name="任意多边形: 形状 4">
+            <a:extLst>
+              <a:ext uri="{FF2B5EF4-FFF2-40B4-BE49-F238E27FC236}">
+                <a16:creationId xmlns:a16="http://schemas.microsoft.com/office/drawing/2014/main" id="{90794548-136F-44AB-ABCC-B2FF15018A60}"/>
+              </a:ext>
+            </a:extLst>
+          </p:cNvPr>
+          <p:cNvSpPr/>
+          <p:nvPr/>
+        </p:nvSpPr>
+        <p:spPr>
+          <a:xfrm>
+            <a:off x="5483932" y="2031614"/>
+            <a:ext cx="1206132" cy="2794772"/>
+          </a:xfrm>
+          <a:custGeom>
+            <a:avLst/>
+            <a:gdLst>
+              <a:gd name="connsiteX0" fmla="*/ 603066 w 1206132"/>
+              <a:gd name="connsiteY0" fmla="*/ 0 h 2794772"/>
+              <a:gd name="connsiteX1" fmla="*/ 641957 w 1206132"/>
+              <a:gd name="connsiteY1" fmla="*/ 35347 h 2794772"/>
+              <a:gd name="connsiteX2" fmla="*/ 1206132 w 1206132"/>
+              <a:gd name="connsiteY2" fmla="*/ 1397386 h 2794772"/>
+              <a:gd name="connsiteX3" fmla="*/ 641957 w 1206132"/>
+              <a:gd name="connsiteY3" fmla="*/ 2759425 h 2794772"/>
+              <a:gd name="connsiteX4" fmla="*/ 603066 w 1206132"/>
+              <a:gd name="connsiteY4" fmla="*/ 2794772 h 2794772"/>
+              <a:gd name="connsiteX5" fmla="*/ 564175 w 1206132"/>
+              <a:gd name="connsiteY5" fmla="*/ 2759425 h 2794772"/>
+              <a:gd name="connsiteX6" fmla="*/ 0 w 1206132"/>
+              <a:gd name="connsiteY6" fmla="*/ 1397386 h 2794772"/>
+              <a:gd name="connsiteX7" fmla="*/ 564175 w 1206132"/>
+              <a:gd name="connsiteY7" fmla="*/ 35347 h 2794772"/>
+            </a:gdLst>
+            <a:ahLst/>
+            <a:cxnLst>
+              <a:cxn ang="0">
+                <a:pos x="connsiteX0" y="connsiteY0"/>
+              </a:cxn>
+              <a:cxn ang="0">
+                <a:pos x="connsiteX1" y="connsiteY1"/>
+              </a:cxn>
+              <a:cxn ang="0">
+                <a:pos x="connsiteX2" y="connsiteY2"/>
+              </a:cxn>
+              <a:cxn ang="0">
+                <a:pos x="connsiteX3" y="connsiteY3"/>
+              </a:cxn>
+              <a:cxn ang="0">
+                <a:pos x="connsiteX4" y="connsiteY4"/>
+              </a:cxn>
+              <a:cxn ang="0">
+                <a:pos x="connsiteX5" y="connsiteY5"/>
+              </a:cxn>
+              <a:cxn ang="0">
+                <a:pos x="connsiteX6" y="connsiteY6"/>
+              </a:cxn>
+              <a:cxn ang="0">
+                <a:pos x="connsiteX7" y="connsiteY7"/>
+              </a:cxn>
+            </a:cxnLst>
+            <a:rect l="l" t="t" r="r" b="b"/>
+            <a:pathLst>
+              <a:path w="1206132" h="2794772">
+                <a:moveTo>
+                  <a:pt x="603066" y="0"/>
+                </a:moveTo>
+                <a:lnTo>
+                  <a:pt x="641957" y="35347"/>
+                </a:lnTo>
+                <a:cubicBezTo>
+                  <a:pt x="990533" y="383923"/>
+                  <a:pt x="1206132" y="865477"/>
+                  <a:pt x="1206132" y="1397386"/>
+                </a:cubicBezTo>
+                <a:cubicBezTo>
+                  <a:pt x="1206132" y="1929296"/>
+                  <a:pt x="990533" y="2410849"/>
+                  <a:pt x="641957" y="2759425"/>
+                </a:cubicBezTo>
+                <a:lnTo>
+                  <a:pt x="603066" y="2794772"/>
+                </a:lnTo>
+                <a:lnTo>
+                  <a:pt x="564175" y="2759425"/>
+                </a:lnTo>
+                <a:cubicBezTo>
+                  <a:pt x="215599" y="2410849"/>
+                  <a:pt x="0" y="1929296"/>
+                  <a:pt x="0" y="1397386"/>
+                </a:cubicBezTo>
+                <a:cubicBezTo>
+                  <a:pt x="0" y="865477"/>
+                  <a:pt x="215599" y="383923"/>
+                  <a:pt x="564175" y="35347"/>
+                </a:cubicBezTo>
+                <a:close/>
+              </a:path>
+            </a:pathLst>
+          </a:custGeom>
+          <a:solidFill>
+            <a:srgbClr val="00B0F0"/>
+          </a:solidFill>
+          <a:ln w="57150">
+            <a:solidFill>
+              <a:schemeClr val="tx1"/>
+            </a:solidFill>
+          </a:ln>
+        </p:spPr>
+        <p:style>
+          <a:lnRef idx="2">
+            <a:schemeClr val="accent1">
+              <a:shade val="50000"/>
+            </a:schemeClr>
+          </a:lnRef>
+          <a:fillRef idx="1">
+            <a:schemeClr val="accent1"/>
+          </a:fillRef>
+          <a:effectRef idx="0">
+            <a:schemeClr val="accent1"/>
+          </a:effectRef>
+          <a:fontRef idx="minor">
+            <a:schemeClr val="lt1"/>
+          </a:fontRef>
+        </p:style>
+        <p:txBody>
+          <a:bodyPr wrap="square" rtlCol="0" anchor="ctr">
+            <a:noAutofit/>
+          </a:bodyPr>
+          <a:lstStyle/>
+          <a:p>
+            <a:pPr algn="ctr"/>
+            <a:endParaRPr lang="zh-CN" altLang="en-US" sz="3600" dirty="0"/>
+          </a:p>
+        </p:txBody>
+      </p:sp>
+      <p:sp>
+        <p:nvSpPr>
+          <p:cNvPr id="2" name="文本框 1">
+            <a:extLst>
+              <a:ext uri="{FF2B5EF4-FFF2-40B4-BE49-F238E27FC236}">
+                <a16:creationId xmlns:a16="http://schemas.microsoft.com/office/drawing/2014/main" id="{0FFB5994-DF5C-4B34-B04B-F4C00E54972B}"/>
+              </a:ext>
+            </a:extLst>
+          </p:cNvPr>
+          <p:cNvSpPr txBox="1"/>
+          <p:nvPr/>
+        </p:nvSpPr>
+        <p:spPr>
+          <a:xfrm>
+            <a:off x="5572841" y="445314"/>
+            <a:ext cx="1117614" cy="369332"/>
+          </a:xfrm>
+          <a:prstGeom prst="rect">
+            <a:avLst/>
+          </a:prstGeom>
+          <a:noFill/>
+        </p:spPr>
+        <p:txBody>
+          <a:bodyPr wrap="none" rtlCol="0">
+            <a:spAutoFit/>
+          </a:bodyPr>
+          <a:lstStyle/>
+          <a:p>
+            <a:r>
+              <a:rPr lang="en-US" altLang="zh-CN" dirty="0"/>
+              <a:t>Inner join</a:t>
+            </a:r>
+            <a:endParaRPr lang="zh-CN" altLang="en-US" dirty="0"/>
+          </a:p>
+        </p:txBody>
+      </p:sp>
+    </p:spTree>
+    <p:extLst>
+      <p:ext uri="{BB962C8B-B14F-4D97-AF65-F5344CB8AC3E}">
+        <p14:creationId xmlns:p14="http://schemas.microsoft.com/office/powerpoint/2010/main" val="1053325143"/>
+      </p:ext>
+    </p:extLst>
+  </p:cSld>
+  <p:clrMapOvr>
+    <a:masterClrMapping/>
+  </p:clrMapOvr>
+</p:sld>
+</file>
+
+<file path=ppt/slides/slide4.xml><?xml version="1.0" encoding="utf-8"?>
+<p:sld xmlns:a="http://schemas.openxmlformats.org/drawingml/2006/main" xmlns:r="http://schemas.openxmlformats.org/officeDocument/2006/relationships" xmlns:p="http://schemas.openxmlformats.org/presentationml/2006/main">
+  <p:cSld>
+    <p:spTree>
+      <p:nvGrpSpPr>
+        <p:cNvPr id="1" name=""/>
+        <p:cNvGrpSpPr/>
+        <p:nvPr/>
+      </p:nvGrpSpPr>
+      <p:grpSpPr>
+        <a:xfrm>
+          <a:off x="0" y="0"/>
+          <a:ext cx="0" cy="0"/>
+          <a:chOff x="0" y="0"/>
+          <a:chExt cx="0" cy="0"/>
+        </a:xfrm>
+      </p:grpSpPr>
+      <p:graphicFrame>
+        <p:nvGraphicFramePr>
+          <p:cNvPr id="4" name="对象 3" hidden="1">
+            <a:extLst>
+              <a:ext uri="{FF2B5EF4-FFF2-40B4-BE49-F238E27FC236}">
+                <a16:creationId xmlns:a16="http://schemas.microsoft.com/office/drawing/2014/main" id="{178F6391-4F06-4DAC-A312-6A7116866AB0}"/>
+              </a:ext>
+            </a:extLst>
+          </p:cNvPr>
+          <p:cNvGraphicFramePr>
+            <a:graphicFrameLocks noChangeAspect="1"/>
+          </p:cNvGraphicFramePr>
+          <p:nvPr>
+            <p:custDataLst>
+              <p:tags r:id="rId2"/>
+            </p:custDataLst>
+          </p:nvPr>
+        </p:nvGraphicFramePr>
+        <p:xfrm>
+          <a:off x="1588" y="1588"/>
+          <a:ext cx="1588" cy="1588"/>
+        </p:xfrm>
+        <a:graphic>
+          <a:graphicData uri="http://schemas.openxmlformats.org/presentationml/2006/ole">
+            <mc:AlternateContent xmlns:mc="http://schemas.openxmlformats.org/markup-compatibility/2006">
+              <mc:Choice xmlns:v="urn:schemas-microsoft-com:vml" Requires="v">
+                <p:oleObj spid="_x0000_s5122" name="think-cell 幻灯片" r:id="rId4" imgW="357" imgH="356" progId="TCLayout.ActiveDocument.1">
+                  <p:embed/>
+                </p:oleObj>
+              </mc:Choice>
+              <mc:Fallback>
+                <p:oleObj name="think-cell 幻灯片" r:id="rId4" imgW="357" imgH="356" progId="TCLayout.ActiveDocument.1">
+                  <p:embed/>
+                  <p:pic>
+                    <p:nvPicPr>
+                      <p:cNvPr id="4" name="对象 3" hidden="1">
+                        <a:extLst>
+                          <a:ext uri="{FF2B5EF4-FFF2-40B4-BE49-F238E27FC236}">
+                            <a16:creationId xmlns:a16="http://schemas.microsoft.com/office/drawing/2014/main" id="{178F6391-4F06-4DAC-A312-6A7116866AB0}"/>
+                          </a:ext>
+                        </a:extLst>
+                      </p:cNvPr>
+                      <p:cNvPicPr/>
+                      <p:nvPr/>
+                    </p:nvPicPr>
+                    <p:blipFill>
+                      <a:blip r:embed="rId5"/>
+                      <a:stretch>
+                        <a:fillRect/>
+                      </a:stretch>
+                    </p:blipFill>
+                    <p:spPr>
+                      <a:xfrm>
+                        <a:off x="1588" y="1588"/>
+                        <a:ext cx="1588" cy="1588"/>
+                      </a:xfrm>
+                      <a:prstGeom prst="rect">
+                        <a:avLst/>
+                      </a:prstGeom>
+                    </p:spPr>
+                  </p:pic>
+                </p:oleObj>
+              </mc:Fallback>
+            </mc:AlternateContent>
+          </a:graphicData>
+        </a:graphic>
+      </p:graphicFrame>
+      <p:sp>
+        <p:nvSpPr>
+          <p:cNvPr id="7" name="任意多边形: 形状 6">
+            <a:extLst>
+              <a:ext uri="{FF2B5EF4-FFF2-40B4-BE49-F238E27FC236}">
+                <a16:creationId xmlns:a16="http://schemas.microsoft.com/office/drawing/2014/main" id="{B18BBAFA-5112-4C5C-828D-CB3847D738D9}"/>
+              </a:ext>
+            </a:extLst>
+          </p:cNvPr>
+          <p:cNvSpPr/>
+          <p:nvPr/>
+        </p:nvSpPr>
+        <p:spPr>
+          <a:xfrm>
+            <a:off x="2837636" y="1502786"/>
+            <a:ext cx="3249362" cy="3852428"/>
+          </a:xfrm>
+          <a:custGeom>
+            <a:avLst/>
+            <a:gdLst>
+              <a:gd name="connsiteX0" fmla="*/ 1926214 w 3249362"/>
+              <a:gd name="connsiteY0" fmla="*/ 0 h 3852428"/>
+              <a:gd name="connsiteX1" fmla="*/ 3151465 w 3249362"/>
+              <a:gd name="connsiteY1" fmla="*/ 439854 h 3852428"/>
+              <a:gd name="connsiteX2" fmla="*/ 3249362 w 3249362"/>
+              <a:gd name="connsiteY2" fmla="*/ 528828 h 3852428"/>
+              <a:gd name="connsiteX3" fmla="*/ 3210471 w 3249362"/>
+              <a:gd name="connsiteY3" fmla="*/ 564175 h 3852428"/>
+              <a:gd name="connsiteX4" fmla="*/ 2646296 w 3249362"/>
+              <a:gd name="connsiteY4" fmla="*/ 1926214 h 3852428"/>
+              <a:gd name="connsiteX5" fmla="*/ 3210471 w 3249362"/>
+              <a:gd name="connsiteY5" fmla="*/ 3288253 h 3852428"/>
+              <a:gd name="connsiteX6" fmla="*/ 3249362 w 3249362"/>
+              <a:gd name="connsiteY6" fmla="*/ 3323600 h 3852428"/>
+              <a:gd name="connsiteX7" fmla="*/ 3151465 w 3249362"/>
+              <a:gd name="connsiteY7" fmla="*/ 3412575 h 3852428"/>
+              <a:gd name="connsiteX8" fmla="*/ 1926214 w 3249362"/>
+              <a:gd name="connsiteY8" fmla="*/ 3852428 h 3852428"/>
+              <a:gd name="connsiteX9" fmla="*/ 0 w 3249362"/>
+              <a:gd name="connsiteY9" fmla="*/ 1926214 h 3852428"/>
+              <a:gd name="connsiteX10" fmla="*/ 1926214 w 3249362"/>
+              <a:gd name="connsiteY10" fmla="*/ 0 h 3852428"/>
+            </a:gdLst>
+            <a:ahLst/>
+            <a:cxnLst>
+              <a:cxn ang="0">
+                <a:pos x="connsiteX0" y="connsiteY0"/>
+              </a:cxn>
+              <a:cxn ang="0">
+                <a:pos x="connsiteX1" y="connsiteY1"/>
+              </a:cxn>
+              <a:cxn ang="0">
+                <a:pos x="connsiteX2" y="connsiteY2"/>
+              </a:cxn>
+              <a:cxn ang="0">
+                <a:pos x="connsiteX3" y="connsiteY3"/>
+              </a:cxn>
+              <a:cxn ang="0">
+                <a:pos x="connsiteX4" y="connsiteY4"/>
+              </a:cxn>
+              <a:cxn ang="0">
+                <a:pos x="connsiteX5" y="connsiteY5"/>
+              </a:cxn>
+              <a:cxn ang="0">
+                <a:pos x="connsiteX6" y="connsiteY6"/>
+              </a:cxn>
+              <a:cxn ang="0">
+                <a:pos x="connsiteX7" y="connsiteY7"/>
+              </a:cxn>
+              <a:cxn ang="0">
+                <a:pos x="connsiteX8" y="connsiteY8"/>
+              </a:cxn>
+              <a:cxn ang="0">
+                <a:pos x="connsiteX9" y="connsiteY9"/>
+              </a:cxn>
+              <a:cxn ang="0">
+                <a:pos x="connsiteX10" y="connsiteY10"/>
+              </a:cxn>
+            </a:cxnLst>
+            <a:rect l="l" t="t" r="r" b="b"/>
+            <a:pathLst>
+              <a:path w="3249362" h="3852428">
+                <a:moveTo>
+                  <a:pt x="1926214" y="0"/>
+                </a:moveTo>
+                <a:cubicBezTo>
+                  <a:pt x="2391635" y="0"/>
+                  <a:pt x="2818502" y="165068"/>
+                  <a:pt x="3151465" y="439854"/>
+                </a:cubicBezTo>
+                <a:lnTo>
+                  <a:pt x="3249362" y="528828"/>
+                </a:lnTo>
+                <a:lnTo>
+                  <a:pt x="3210471" y="564175"/>
+                </a:lnTo>
+                <a:cubicBezTo>
+                  <a:pt x="2861895" y="912751"/>
+                  <a:pt x="2646296" y="1394305"/>
+                  <a:pt x="2646296" y="1926214"/>
+                </a:cubicBezTo>
+                <a:cubicBezTo>
+                  <a:pt x="2646296" y="2458124"/>
+                  <a:pt x="2861895" y="2939677"/>
+                  <a:pt x="3210471" y="3288253"/>
+                </a:cubicBezTo>
+                <a:lnTo>
+                  <a:pt x="3249362" y="3323600"/>
+                </a:lnTo>
+                <a:lnTo>
+                  <a:pt x="3151465" y="3412575"/>
+                </a:lnTo>
+                <a:cubicBezTo>
+                  <a:pt x="2818502" y="3687360"/>
+                  <a:pt x="2391635" y="3852428"/>
+                  <a:pt x="1926214" y="3852428"/>
+                </a:cubicBezTo>
+                <a:cubicBezTo>
+                  <a:pt x="862395" y="3852428"/>
+                  <a:pt x="0" y="2990033"/>
+                  <a:pt x="0" y="1926214"/>
+                </a:cubicBezTo>
+                <a:cubicBezTo>
+                  <a:pt x="0" y="862395"/>
+                  <a:pt x="862395" y="0"/>
+                  <a:pt x="1926214" y="0"/>
+                </a:cubicBezTo>
+                <a:close/>
+              </a:path>
+            </a:pathLst>
+          </a:custGeom>
+          <a:solidFill>
+            <a:srgbClr val="00B0F0"/>
+          </a:solidFill>
+          <a:ln w="57150">
+            <a:solidFill>
+              <a:schemeClr val="tx1"/>
+            </a:solidFill>
+          </a:ln>
+        </p:spPr>
+        <p:style>
+          <a:lnRef idx="2">
+            <a:schemeClr val="accent1">
+              <a:shade val="50000"/>
+            </a:schemeClr>
+          </a:lnRef>
+          <a:fillRef idx="1">
+            <a:schemeClr val="accent1"/>
+          </a:fillRef>
+          <a:effectRef idx="0">
+            <a:schemeClr val="accent1"/>
+          </a:effectRef>
+          <a:fontRef idx="minor">
+            <a:schemeClr val="lt1"/>
+          </a:fontRef>
+        </p:style>
+        <p:txBody>
+          <a:bodyPr wrap="square" rtlCol="0" anchor="ctr">
+            <a:noAutofit/>
+          </a:bodyPr>
+          <a:lstStyle/>
+          <a:p>
+            <a:pPr algn="ctr"/>
+            <a:r>
+              <a:rPr lang="en-US" altLang="zh-CN" sz="3600" dirty="0"/>
+              <a:t>Left</a:t>
+            </a:r>
+          </a:p>
+          <a:p>
+            <a:pPr algn="ctr"/>
+            <a:r>
+              <a:rPr lang="en-US" altLang="zh-CN" sz="3600" dirty="0"/>
+              <a:t>Table</a:t>
+            </a:r>
+            <a:endParaRPr lang="zh-CN" altLang="en-US" sz="3600" dirty="0"/>
+          </a:p>
+        </p:txBody>
+      </p:sp>
+    </p:spTree>
+    <p:extLst>
+      <p:ext uri="{BB962C8B-B14F-4D97-AF65-F5344CB8AC3E}">
+        <p14:creationId xmlns:p14="http://schemas.microsoft.com/office/powerpoint/2010/main" val="4086568235"/>
+      </p:ext>
+    </p:extLst>
+  </p:cSld>
+  <p:clrMapOvr>
+    <a:masterClrMapping/>
+  </p:clrMapOvr>
+</p:sld>
+</file>
+
+<file path=ppt/slides/slide5.xml><?xml version="1.0" encoding="utf-8"?>
+<p:sld xmlns:a="http://schemas.openxmlformats.org/drawingml/2006/main" xmlns:r="http://schemas.openxmlformats.org/officeDocument/2006/relationships" xmlns:p="http://schemas.openxmlformats.org/presentationml/2006/main">
+  <p:cSld>
+    <p:spTree>
+      <p:nvGrpSpPr>
+        <p:cNvPr id="1" name=""/>
+        <p:cNvGrpSpPr/>
+        <p:nvPr/>
+      </p:nvGrpSpPr>
+      <p:grpSpPr>
+        <a:xfrm>
+          <a:off x="0" y="0"/>
+          <a:ext cx="0" cy="0"/>
+          <a:chOff x="0" y="0"/>
+          <a:chExt cx="0" cy="0"/>
+        </a:xfrm>
+      </p:grpSpPr>
+      <p:graphicFrame>
+        <p:nvGraphicFramePr>
+          <p:cNvPr id="4" name="对象 3" hidden="1">
+            <a:extLst>
+              <a:ext uri="{FF2B5EF4-FFF2-40B4-BE49-F238E27FC236}">
+                <a16:creationId xmlns:a16="http://schemas.microsoft.com/office/drawing/2014/main" id="{178F6391-4F06-4DAC-A312-6A7116866AB0}"/>
+              </a:ext>
+            </a:extLst>
+          </p:cNvPr>
+          <p:cNvGraphicFramePr>
+            <a:graphicFrameLocks noChangeAspect="1"/>
+          </p:cNvGraphicFramePr>
+          <p:nvPr>
+            <p:custDataLst>
+              <p:tags r:id="rId2"/>
+            </p:custDataLst>
+          </p:nvPr>
+        </p:nvGraphicFramePr>
+        <p:xfrm>
+          <a:off x="1588" y="1588"/>
+          <a:ext cx="1588" cy="1588"/>
+        </p:xfrm>
+        <a:graphic>
+          <a:graphicData uri="http://schemas.openxmlformats.org/presentationml/2006/ole">
+            <mc:AlternateContent xmlns:mc="http://schemas.openxmlformats.org/markup-compatibility/2006">
+              <mc:Choice xmlns:v="urn:schemas-microsoft-com:vml" Requires="v">
+                <p:oleObj spid="_x0000_s6146" name="think-cell 幻灯片" r:id="rId4" imgW="357" imgH="356" progId="TCLayout.ActiveDocument.1">
                   <p:embed/>
                 </p:oleObj>
               </mc:Choice>
@@ -3709,9 +5019,9 @@
             </a:pathLst>
           </a:custGeom>
           <a:solidFill>
-            <a:srgbClr val="0D6EFD"/>
+            <a:srgbClr val="00B0F0"/>
           </a:solidFill>
-          <a:ln w="38100">
+          <a:ln w="57150">
             <a:solidFill>
               <a:schemeClr val="tx1"/>
             </a:solidFill>
@@ -3859,9 +5169,9 @@
             </a:pathLst>
           </a:custGeom>
           <a:solidFill>
-            <a:srgbClr val="0D6EFD"/>
+            <a:srgbClr val="00B0F0"/>
           </a:solidFill>
-          <a:ln w="38100">
+          <a:ln w="57150">
             <a:solidFill>
               <a:schemeClr val="tx1"/>
             </a:solidFill>
@@ -3943,7 +5253,7 @@
 </p:sld>
 </file>
 
-<file path=ppt/slides/slide2.xml><?xml version="1.0" encoding="utf-8"?>
+<file path=ppt/slides/slide6.xml><?xml version="1.0" encoding="utf-8"?>
 <p:sld xmlns:a="http://schemas.openxmlformats.org/drawingml/2006/main" xmlns:r="http://schemas.openxmlformats.org/officeDocument/2006/relationships" xmlns:p="http://schemas.openxmlformats.org/presentationml/2006/main">
   <p:cSld>
     <p:spTree>
@@ -3986,7 +5296,7 @@
           <a:graphicData uri="http://schemas.openxmlformats.org/presentationml/2006/ole">
             <mc:AlternateContent xmlns:mc="http://schemas.openxmlformats.org/markup-compatibility/2006">
               <mc:Choice xmlns:v="urn:schemas-microsoft-com:vml" Requires="v">
-                <p:oleObj spid="_x0000_s9223" name="think-cell 幻灯片" r:id="rId4" imgW="357" imgH="356" progId="TCLayout.ActiveDocument.1">
+                <p:oleObj spid="_x0000_s7170" name="think-cell 幻灯片" r:id="rId4" imgW="357" imgH="356" progId="TCLayout.ActiveDocument.1">
                   <p:embed/>
                 </p:oleObj>
               </mc:Choice>
@@ -4260,7 +5570,7 @@
             </a:pathLst>
           </a:custGeom>
           <a:noFill/>
-          <a:ln w="38100">
+          <a:ln w="57150">
             <a:solidFill>
               <a:schemeClr val="tx1"/>
             </a:solidFill>
@@ -4408,9 +5718,9 @@
             </a:pathLst>
           </a:custGeom>
           <a:solidFill>
-            <a:srgbClr val="0D6EFD"/>
+            <a:srgbClr val="00B0F0"/>
           </a:solidFill>
-          <a:ln w="38100">
+          <a:ln w="57150">
             <a:solidFill>
               <a:schemeClr val="tx1"/>
             </a:solidFill>
@@ -4492,7 +5802,7 @@
 </p:sld>
 </file>
 
-<file path=ppt/slides/slide3.xml><?xml version="1.0" encoding="utf-8"?>
+<file path=ppt/slides/slide7.xml><?xml version="1.0" encoding="utf-8"?>
 <p:sld xmlns:a="http://schemas.openxmlformats.org/drawingml/2006/main" xmlns:r="http://schemas.openxmlformats.org/officeDocument/2006/relationships" xmlns:p="http://schemas.openxmlformats.org/presentationml/2006/main">
   <p:cSld>
     <p:spTree>
@@ -4535,7 +5845,7 @@
           <a:graphicData uri="http://schemas.openxmlformats.org/presentationml/2006/ole">
             <mc:AlternateContent xmlns:mc="http://schemas.openxmlformats.org/markup-compatibility/2006">
               <mc:Choice xmlns:v="urn:schemas-microsoft-com:vml" Requires="v">
-                <p:oleObj spid="_x0000_s10247" name="think-cell 幻灯片" r:id="rId4" imgW="357" imgH="356" progId="TCLayout.ActiveDocument.1">
+                <p:oleObj spid="_x0000_s8194" name="think-cell 幻灯片" r:id="rId4" imgW="357" imgH="356" progId="TCLayout.ActiveDocument.1">
                   <p:embed/>
                 </p:oleObj>
               </mc:Choice>
@@ -4708,7 +6018,7 @@
             </a:pathLst>
           </a:custGeom>
           <a:noFill/>
-          <a:ln w="38100">
+          <a:ln w="57150">
             <a:solidFill>
               <a:schemeClr val="tx1"/>
             </a:solidFill>
@@ -4737,6 +6047,17 @@
           <a:lstStyle/>
           <a:p>
             <a:pPr algn="ctr"/>
+            <a:r>
+              <a:rPr lang="en-US" altLang="zh-CN" sz="3600" dirty="0"/>
+              <a:t>Left</a:t>
+            </a:r>
+          </a:p>
+          <a:p>
+            <a:pPr algn="ctr"/>
+            <a:r>
+              <a:rPr lang="en-US" altLang="zh-CN" sz="3600" dirty="0"/>
+              <a:t>Table</a:t>
+            </a:r>
             <a:endParaRPr lang="zh-CN" altLang="en-US" sz="3600" dirty="0"/>
           </a:p>
         </p:txBody>
@@ -4845,9 +6166,9 @@
             </a:pathLst>
           </a:custGeom>
           <a:solidFill>
-            <a:srgbClr val="0D6EFD"/>
+            <a:srgbClr val="00B0F0"/>
           </a:solidFill>
-          <a:ln w="38100">
+          <a:ln w="57150">
             <a:solidFill>
               <a:schemeClr val="tx1"/>
             </a:solidFill>
@@ -5012,9 +6333,9 @@
             </a:pathLst>
           </a:custGeom>
           <a:solidFill>
-            <a:srgbClr val="0D6EFD"/>
+            <a:srgbClr val="00B0F0"/>
           </a:solidFill>
-          <a:ln w="38100">
+          <a:ln w="57150">
             <a:solidFill>
               <a:schemeClr val="tx1"/>
             </a:solidFill>
@@ -5096,7 +6417,7 @@
 </p:sld>
 </file>
 
-<file path=ppt/slides/slide4.xml><?xml version="1.0" encoding="utf-8"?>
+<file path=ppt/slides/slide8.xml><?xml version="1.0" encoding="utf-8"?>
 <p:sld xmlns:a="http://schemas.openxmlformats.org/drawingml/2006/main" xmlns:r="http://schemas.openxmlformats.org/officeDocument/2006/relationships" xmlns:p="http://schemas.openxmlformats.org/presentationml/2006/main">
   <p:cSld>
     <p:spTree>
@@ -5139,7 +6460,7 @@
           <a:graphicData uri="http://schemas.openxmlformats.org/presentationml/2006/ole">
             <mc:AlternateContent xmlns:mc="http://schemas.openxmlformats.org/markup-compatibility/2006">
               <mc:Choice xmlns:v="urn:schemas-microsoft-com:vml" Requires="v">
-                <p:oleObj spid="_x0000_s11271" name="think-cell 幻灯片" r:id="rId4" imgW="357" imgH="356" progId="TCLayout.ActiveDocument.1">
+                <p:oleObj spid="_x0000_s9218" name="think-cell 幻灯片" r:id="rId4" imgW="357" imgH="356" progId="TCLayout.ActiveDocument.1">
                   <p:embed/>
                 </p:oleObj>
               </mc:Choice>
@@ -5332,7 +6653,7 @@
               </a:pathLst>
             </a:custGeom>
             <a:noFill/>
-            <a:ln w="38100">
+            <a:ln w="57150">
               <a:solidFill>
                 <a:schemeClr val="tx1"/>
               </a:solidFill>
@@ -5361,6 +6682,17 @@
             <a:lstStyle/>
             <a:p>
               <a:pPr algn="ctr"/>
+              <a:r>
+                <a:rPr lang="en-US" altLang="zh-CN" sz="3600" dirty="0"/>
+                <a:t>Left</a:t>
+              </a:r>
+            </a:p>
+            <a:p>
+              <a:pPr algn="ctr"/>
+              <a:r>
+                <a:rPr lang="en-US" altLang="zh-CN" sz="3600" dirty="0"/>
+                <a:t>Table</a:t>
+              </a:r>
               <a:endParaRPr lang="zh-CN" altLang="en-US" sz="3600" dirty="0"/>
             </a:p>
           </p:txBody>
@@ -5379,7 +6711,7 @@
           </p:nvSpPr>
           <p:spPr>
             <a:xfrm>
-              <a:off x="5500701" y="2039897"/>
+              <a:off x="5483932" y="2031614"/>
               <a:ext cx="1206132" cy="2794772"/>
             </a:xfrm>
             <a:custGeom>
@@ -5469,9 +6801,9 @@
               </a:pathLst>
             </a:custGeom>
             <a:solidFill>
-              <a:srgbClr val="0D6EFD"/>
+              <a:srgbClr val="00B0F0"/>
             </a:solidFill>
-            <a:ln w="38100">
+            <a:ln w="57150">
               <a:solidFill>
                 <a:schemeClr val="tx1"/>
               </a:solidFill>
@@ -5636,9 +6968,9 @@
               </a:pathLst>
             </a:custGeom>
             <a:solidFill>
-              <a:srgbClr val="0D6EFD"/>
+              <a:srgbClr val="00B0F0"/>
             </a:solidFill>
-            <a:ln w="38100">
+            <a:ln w="57150">
               <a:solidFill>
                 <a:schemeClr val="tx1"/>
               </a:solidFill>
@@ -5727,6 +7059,12 @@
 </p:tagLst>
 </file>
 
+<file path=ppt/tags/tag10.xml><?xml version="1.0" encoding="utf-8"?>
+<p:tagLst xmlns:a="http://schemas.openxmlformats.org/drawingml/2006/main" xmlns:r="http://schemas.openxmlformats.org/officeDocument/2006/relationships" xmlns:p="http://schemas.openxmlformats.org/presentationml/2006/main">
+  <p:tag name="THINKCELLSHAPEDONOTDELETE" val="thinkcellActiveDocDoNotDelete"/>
+</p:tagLst>
+</file>
+
 <file path=ppt/tags/tag2.xml><?xml version="1.0" encoding="utf-8"?>
 <p:tagLst xmlns:a="http://schemas.openxmlformats.org/drawingml/2006/main" xmlns:r="http://schemas.openxmlformats.org/officeDocument/2006/relationships" xmlns:p="http://schemas.openxmlformats.org/presentationml/2006/main">
   <p:tag name="THINKCELLSHAPEDONOTDELETE" val="thinkcellActiveDocDoNotDelete"/>
@@ -5752,6 +7090,24 @@
 </file>
 
 <file path=ppt/tags/tag6.xml><?xml version="1.0" encoding="utf-8"?>
+<p:tagLst xmlns:a="http://schemas.openxmlformats.org/drawingml/2006/main" xmlns:r="http://schemas.openxmlformats.org/officeDocument/2006/relationships" xmlns:p="http://schemas.openxmlformats.org/presentationml/2006/main">
+  <p:tag name="THINKCELLSHAPEDONOTDELETE" val="thinkcellActiveDocDoNotDelete"/>
+</p:tagLst>
+</file>
+
+<file path=ppt/tags/tag7.xml><?xml version="1.0" encoding="utf-8"?>
+<p:tagLst xmlns:a="http://schemas.openxmlformats.org/drawingml/2006/main" xmlns:r="http://schemas.openxmlformats.org/officeDocument/2006/relationships" xmlns:p="http://schemas.openxmlformats.org/presentationml/2006/main">
+  <p:tag name="THINKCELLSHAPEDONOTDELETE" val="thinkcellActiveDocDoNotDelete"/>
+</p:tagLst>
+</file>
+
+<file path=ppt/tags/tag8.xml><?xml version="1.0" encoding="utf-8"?>
+<p:tagLst xmlns:a="http://schemas.openxmlformats.org/drawingml/2006/main" xmlns:r="http://schemas.openxmlformats.org/officeDocument/2006/relationships" xmlns:p="http://schemas.openxmlformats.org/presentationml/2006/main">
+  <p:tag name="THINKCELLSHAPEDONOTDELETE" val="thinkcellActiveDocDoNotDelete"/>
+</p:tagLst>
+</file>
+
+<file path=ppt/tags/tag9.xml><?xml version="1.0" encoding="utf-8"?>
 <p:tagLst xmlns:a="http://schemas.openxmlformats.org/drawingml/2006/main" xmlns:r="http://schemas.openxmlformats.org/officeDocument/2006/relationships" xmlns:p="http://schemas.openxmlformats.org/presentationml/2006/main">
   <p:tag name="THINKCELLSHAPEDONOTDELETE" val="thinkcellActiveDocDoNotDelete"/>
 </p:tagLst>

--- a/sicksheet.com/asset/others/sicksheet venn diagram.pptx
+++ b/sicksheet.com/asset/others/sicksheet venn diagram.pptx
@@ -136,7 +136,7 @@
 <file path=ppt/revisionInfo.xml><?xml version="1.0" encoding="utf-8"?>
 <p1510:revInfo xmlns:a="http://schemas.openxmlformats.org/drawingml/2006/main" xmlns:r="http://schemas.openxmlformats.org/officeDocument/2006/relationships" xmlns:p1510="http://schemas.microsoft.com/office/powerpoint/2015/10/main">
   <p1510:revLst>
-    <p1510:client id="{C18147A9-8A5E-4A63-A0E9-A539C96052F5}" v="289" dt="2023-02-23T08:56:36.701"/>
+    <p1510:client id="{C18147A9-8A5E-4A63-A0E9-A539C96052F5}" v="339" dt="2023-03-11T07:32:03.622"/>
   </p1510:revLst>
 </p1510:revInfo>
 </file>
@@ -288,7 +288,7 @@
           <a:p>
             <a:fld id="{2B7D5C62-F73D-49CC-86F2-4D5D44D5BEA9}" type="datetimeFigureOut">
               <a:rPr lang="zh-CN" altLang="en-US" smtClean="0"/>
-              <a:t>2023/2/23</a:t>
+              <a:t>2023/3/11</a:t>
             </a:fld>
             <a:endParaRPr lang="zh-CN" altLang="en-US"/>
           </a:p>
@@ -486,7 +486,7 @@
           <a:p>
             <a:fld id="{2B7D5C62-F73D-49CC-86F2-4D5D44D5BEA9}" type="datetimeFigureOut">
               <a:rPr lang="zh-CN" altLang="en-US" smtClean="0"/>
-              <a:t>2023/2/23</a:t>
+              <a:t>2023/3/11</a:t>
             </a:fld>
             <a:endParaRPr lang="zh-CN" altLang="en-US"/>
           </a:p>
@@ -694,7 +694,7 @@
           <a:p>
             <a:fld id="{2B7D5C62-F73D-49CC-86F2-4D5D44D5BEA9}" type="datetimeFigureOut">
               <a:rPr lang="zh-CN" altLang="en-US" smtClean="0"/>
-              <a:t>2023/2/23</a:t>
+              <a:t>2023/3/11</a:t>
             </a:fld>
             <a:endParaRPr lang="zh-CN" altLang="en-US"/>
           </a:p>
@@ -892,7 +892,7 @@
           <a:p>
             <a:fld id="{2B7D5C62-F73D-49CC-86F2-4D5D44D5BEA9}" type="datetimeFigureOut">
               <a:rPr lang="zh-CN" altLang="en-US" smtClean="0"/>
-              <a:t>2023/2/23</a:t>
+              <a:t>2023/3/11</a:t>
             </a:fld>
             <a:endParaRPr lang="zh-CN" altLang="en-US"/>
           </a:p>
@@ -1167,7 +1167,7 @@
           <a:p>
             <a:fld id="{2B7D5C62-F73D-49CC-86F2-4D5D44D5BEA9}" type="datetimeFigureOut">
               <a:rPr lang="zh-CN" altLang="en-US" smtClean="0"/>
-              <a:t>2023/2/23</a:t>
+              <a:t>2023/3/11</a:t>
             </a:fld>
             <a:endParaRPr lang="zh-CN" altLang="en-US"/>
           </a:p>
@@ -1432,7 +1432,7 @@
           <a:p>
             <a:fld id="{2B7D5C62-F73D-49CC-86F2-4D5D44D5BEA9}" type="datetimeFigureOut">
               <a:rPr lang="zh-CN" altLang="en-US" smtClean="0"/>
-              <a:t>2023/2/23</a:t>
+              <a:t>2023/3/11</a:t>
             </a:fld>
             <a:endParaRPr lang="zh-CN" altLang="en-US"/>
           </a:p>
@@ -1844,7 +1844,7 @@
           <a:p>
             <a:fld id="{2B7D5C62-F73D-49CC-86F2-4D5D44D5BEA9}" type="datetimeFigureOut">
               <a:rPr lang="zh-CN" altLang="en-US" smtClean="0"/>
-              <a:t>2023/2/23</a:t>
+              <a:t>2023/3/11</a:t>
             </a:fld>
             <a:endParaRPr lang="zh-CN" altLang="en-US"/>
           </a:p>
@@ -1985,7 +1985,7 @@
           <a:p>
             <a:fld id="{2B7D5C62-F73D-49CC-86F2-4D5D44D5BEA9}" type="datetimeFigureOut">
               <a:rPr lang="zh-CN" altLang="en-US" smtClean="0"/>
-              <a:t>2023/2/23</a:t>
+              <a:t>2023/3/11</a:t>
             </a:fld>
             <a:endParaRPr lang="zh-CN" altLang="en-US"/>
           </a:p>
@@ -2098,7 +2098,7 @@
           <a:p>
             <a:fld id="{2B7D5C62-F73D-49CC-86F2-4D5D44D5BEA9}" type="datetimeFigureOut">
               <a:rPr lang="zh-CN" altLang="en-US" smtClean="0"/>
-              <a:t>2023/2/23</a:t>
+              <a:t>2023/3/11</a:t>
             </a:fld>
             <a:endParaRPr lang="zh-CN" altLang="en-US"/>
           </a:p>
@@ -2409,7 +2409,7 @@
           <a:p>
             <a:fld id="{2B7D5C62-F73D-49CC-86F2-4D5D44D5BEA9}" type="datetimeFigureOut">
               <a:rPr lang="zh-CN" altLang="en-US" smtClean="0"/>
-              <a:t>2023/2/23</a:t>
+              <a:t>2023/3/11</a:t>
             </a:fld>
             <a:endParaRPr lang="zh-CN" altLang="en-US"/>
           </a:p>
@@ -2697,7 +2697,7 @@
           <a:p>
             <a:fld id="{2B7D5C62-F73D-49CC-86F2-4D5D44D5BEA9}" type="datetimeFigureOut">
               <a:rPr lang="zh-CN" altLang="en-US" smtClean="0"/>
-              <a:t>2023/2/23</a:t>
+              <a:t>2023/3/11</a:t>
             </a:fld>
             <a:endParaRPr lang="zh-CN" altLang="en-US"/>
           </a:p>
@@ -3010,7 +3010,7 @@
           <a:p>
             <a:fld id="{2B7D5C62-F73D-49CC-86F2-4D5D44D5BEA9}" type="datetimeFigureOut">
               <a:rPr lang="zh-CN" altLang="en-US" smtClean="0"/>
-              <a:t>2023/2/23</a:t>
+              <a:t>2023/3/11</a:t>
             </a:fld>
             <a:endParaRPr lang="zh-CN" altLang="en-US"/>
           </a:p>
@@ -5019,9 +5019,9 @@
             </a:pathLst>
           </a:custGeom>
           <a:solidFill>
-            <a:srgbClr val="00B0F0"/>
+            <a:srgbClr val="0275D8"/>
           </a:solidFill>
-          <a:ln w="57150">
+          <a:ln w="38100">
             <a:solidFill>
               <a:schemeClr val="tx1"/>
             </a:solidFill>
@@ -5169,9 +5169,9 @@
             </a:pathLst>
           </a:custGeom>
           <a:solidFill>
-            <a:srgbClr val="00B0F0"/>
+            <a:srgbClr val="0275D8"/>
           </a:solidFill>
-          <a:ln w="57150">
+          <a:ln w="38100">
             <a:solidFill>
               <a:schemeClr val="tx1"/>
             </a:solidFill>
@@ -5570,7 +5570,7 @@
             </a:pathLst>
           </a:custGeom>
           <a:noFill/>
-          <a:ln w="57150">
+          <a:ln w="38100">
             <a:solidFill>
               <a:schemeClr val="tx1"/>
             </a:solidFill>
@@ -5600,14 +5600,14 @@
           <a:p>
             <a:pPr algn="ctr"/>
             <a:r>
-              <a:rPr lang="en-US" altLang="zh-CN" sz="3600" dirty="0"/>
+              <a:rPr lang="en-US" altLang="zh-CN" sz="3600"/>
               <a:t>Right</a:t>
             </a:r>
           </a:p>
           <a:p>
             <a:pPr algn="ctr"/>
             <a:r>
-              <a:rPr lang="en-US" altLang="zh-CN" sz="3600" dirty="0"/>
+              <a:rPr lang="en-US" altLang="zh-CN" sz="3600"/>
               <a:t>Table</a:t>
             </a:r>
             <a:endParaRPr lang="zh-CN" altLang="en-US" sz="3600" dirty="0"/>
@@ -5718,9 +5718,9 @@
             </a:pathLst>
           </a:custGeom>
           <a:solidFill>
-            <a:srgbClr val="00B0F0"/>
+            <a:srgbClr val="0275D8"/>
           </a:solidFill>
-          <a:ln w="57150">
+          <a:ln w="38100">
             <a:solidFill>
               <a:schemeClr val="tx1"/>
             </a:solidFill>
@@ -6018,7 +6018,7 @@
             </a:pathLst>
           </a:custGeom>
           <a:noFill/>
-          <a:ln w="57150">
+          <a:ln w="38100">
             <a:solidFill>
               <a:schemeClr val="tx1"/>
             </a:solidFill>
@@ -6166,9 +6166,9 @@
             </a:pathLst>
           </a:custGeom>
           <a:solidFill>
-            <a:srgbClr val="00B0F0"/>
+            <a:srgbClr val="0275D8"/>
           </a:solidFill>
-          <a:ln w="57150">
+          <a:ln w="38100">
             <a:solidFill>
               <a:schemeClr val="tx1"/>
             </a:solidFill>
@@ -6333,9 +6333,9 @@
             </a:pathLst>
           </a:custGeom>
           <a:solidFill>
-            <a:srgbClr val="00B0F0"/>
+            <a:srgbClr val="0275D8"/>
           </a:solidFill>
-          <a:ln w="57150">
+          <a:ln w="38100">
             <a:solidFill>
               <a:schemeClr val="tx1"/>
             </a:solidFill>
@@ -6653,7 +6653,7 @@
               </a:pathLst>
             </a:custGeom>
             <a:noFill/>
-            <a:ln w="57150">
+            <a:ln w="38100">
               <a:solidFill>
                 <a:schemeClr val="tx1"/>
               </a:solidFill>
@@ -6801,9 +6801,9 @@
               </a:pathLst>
             </a:custGeom>
             <a:solidFill>
-              <a:srgbClr val="00B0F0"/>
+              <a:srgbClr val="0275D8"/>
             </a:solidFill>
-            <a:ln w="57150">
+            <a:ln w="38100">
               <a:solidFill>
                 <a:schemeClr val="tx1"/>
               </a:solidFill>
@@ -6968,9 +6968,9 @@
               </a:pathLst>
             </a:custGeom>
             <a:solidFill>
-              <a:srgbClr val="00B0F0"/>
+              <a:srgbClr val="0275D8"/>
             </a:solidFill>
-            <a:ln w="57150">
+            <a:ln w="38100">
               <a:solidFill>
                 <a:schemeClr val="tx1"/>
               </a:solidFill>
